--- a/web/b23/2 Academic Writing.pptx
+++ b/web/b23/2 Academic Writing.pptx
@@ -16185,7 +16185,17 @@
                 <a:latin typeface="Arial" pitchFamily="34" charset="0"/>
                 <a:ea typeface="ＭＳ Ｐゴシック" pitchFamily="34" charset="-128"/>
               </a:rPr>
-              <a:t>June 8 at 12 noon</a:t>
+              <a:t>June 8 at </a:t>
+            </a:r>
+            <a:r>
+              <a:rPr lang="en-GB" sz="1500" b="1" kern="1200" dirty="0" smtClean="0">
+                <a:solidFill>
+                  <a:srgbClr val="008000"/>
+                </a:solidFill>
+                <a:latin typeface="Arial" pitchFamily="34" charset="0"/>
+                <a:ea typeface="ＭＳ Ｐゴシック" pitchFamily="34" charset="-128"/>
+              </a:rPr>
+              <a:t>13.00</a:t>
             </a:r>
             <a:endParaRPr lang="en-GB" sz="1500" kern="1200" dirty="0" smtClean="0">
               <a:solidFill>
@@ -16273,14 +16283,10 @@
             </a:pPr>
             <a:r>
               <a:rPr lang="en-US" sz="1500" dirty="0"/>
-              <a:t>Graphs, tables and other figures also count (if you, e.g., use half a page for one of these, you can only have </a:t>
-            </a:r>
-            <a:r>
-              <a:rPr lang="en-US" sz="1500"/>
-              <a:t>1200 </a:t>
-            </a:r>
-            <a:r>
-              <a:rPr lang="en-US" sz="1500" smtClean="0"/>
+              <a:t>Graphs, tables and other figures also count (if you, e.g., use half a page for one of these, you can only have 1200 </a:t>
+            </a:r>
+            <a:r>
+              <a:rPr lang="en-US" sz="1500" dirty="0" smtClean="0"/>
               <a:t>characters </a:t>
             </a:r>
             <a:r>
@@ -16738,12 +16744,12 @@
               <a:t>Make as many automatic checks as possible (it is easy to search for two adjacent spaces and replace them by one; analogously you can </a:t>
             </a:r>
             <a:r>
-              <a:rPr lang="en-GB" altLang="da-DK" sz="1600" dirty="0" err="1" smtClean="0"/>
-              <a:t>serach</a:t>
-            </a:r>
-            <a:r>
               <a:rPr lang="en-GB" altLang="da-DK" sz="1600" dirty="0" smtClean="0"/>
-              <a:t> for two adjacent full stops, two commas, or a space followed by a full stop)</a:t>
+              <a:t>search </a:t>
+            </a:r>
+            <a:r>
+              <a:rPr lang="en-GB" altLang="da-DK" sz="1600" dirty="0" smtClean="0"/>
+              <a:t>for two adjacent full stops, two commas, or a space followed by a full stop)</a:t>
             </a:r>
           </a:p>
           <a:p>
@@ -21052,213 +21058,21 @@
       </p:grpSpPr>
       <p:grpSp>
         <p:nvGrpSpPr>
-          <p:cNvPr id="7" name="Group 6"/>
+          <p:cNvPr id="10" name="Group 9"/>
           <p:cNvGrpSpPr/>
           <p:nvPr/>
         </p:nvGrpSpPr>
         <p:grpSpPr>
           <a:xfrm>
-            <a:off x="95416" y="2055446"/>
-            <a:ext cx="8939669" cy="4757930"/>
-            <a:chOff x="95416" y="2055446"/>
-            <a:chExt cx="8939669" cy="4757930"/>
+            <a:off x="55659" y="2075290"/>
+            <a:ext cx="9072439" cy="4664271"/>
+            <a:chOff x="55659" y="2075290"/>
+            <a:chExt cx="9072439" cy="4664271"/>
           </a:xfrm>
         </p:grpSpPr>
-        <p:sp>
-          <p:nvSpPr>
-            <p:cNvPr id="8" name="Rectangle 7"/>
-            <p:cNvSpPr/>
-            <p:nvPr/>
-          </p:nvSpPr>
-          <p:spPr bwMode="auto">
-            <a:xfrm>
-              <a:off x="6221046" y="2075125"/>
-              <a:ext cx="2743199" cy="2608193"/>
-            </a:xfrm>
-            <a:prstGeom prst="rect">
-              <a:avLst/>
-            </a:prstGeom>
-            <a:noFill/>
-            <a:ln w="28575" cap="flat" cmpd="sng" algn="ctr">
-              <a:solidFill>
-                <a:srgbClr val="FF0000"/>
-              </a:solidFill>
-              <a:prstDash val="solid"/>
-              <a:round/>
-              <a:headEnd type="none" w="med" len="med"/>
-              <a:tailEnd type="none" w="med" len="med"/>
-            </a:ln>
-            <a:effectLst/>
-            <a:extLst>
-              <a:ext uri="{909E8E84-426E-40DD-AFC4-6F175D3DCCD1}">
-                <a14:hiddenFill xmlns:a14="http://schemas.microsoft.com/office/drawing/2010/main">
-                  <a:solidFill>
-                    <a:schemeClr val="accent1"/>
-                  </a:solidFill>
-                </a14:hiddenFill>
-              </a:ext>
-              <a:ext uri="{AF507438-7753-43E0-B8FC-AC1667EBCBE1}">
-                <a14:hiddenEffects xmlns:a14="http://schemas.microsoft.com/office/drawing/2010/main">
-                  <a:effectLst>
-                    <a:outerShdw blurRad="63500" dist="38099" dir="2700000" algn="ctr" rotWithShape="0">
-                      <a:schemeClr val="bg2">
-                        <a:alpha val="74998"/>
-                      </a:schemeClr>
-                    </a:outerShdw>
-                  </a:effectLst>
-                </a14:hiddenEffects>
-              </a:ext>
-            </a:extLst>
-          </p:spPr>
-          <p:txBody>
-            <a:bodyPr vert="horz" wrap="square" lIns="91440" tIns="45720" rIns="91440" bIns="45720" numCol="1" rtlCol="0" anchor="t" anchorCtr="0" compatLnSpc="1">
-              <a:prstTxWarp prst="textNoShape">
-                <a:avLst/>
-              </a:prstTxWarp>
-              <a:spAutoFit/>
-            </a:bodyPr>
-            <a:lstStyle/>
-            <a:p>
-              <a:endParaRPr lang="da-DK" sz="2400">
-                <a:solidFill>
-                  <a:srgbClr val="000000"/>
-                </a:solidFill>
-                <a:ea typeface="ＭＳ Ｐゴシック" charset="0"/>
-              </a:endParaRPr>
-            </a:p>
-          </p:txBody>
-        </p:sp>
-        <p:sp>
-          <p:nvSpPr>
-            <p:cNvPr id="21" name="Rectangle 20"/>
-            <p:cNvSpPr/>
-            <p:nvPr/>
-          </p:nvSpPr>
-          <p:spPr bwMode="auto">
-            <a:xfrm>
-              <a:off x="179512" y="3632128"/>
-              <a:ext cx="2735626" cy="3128246"/>
-            </a:xfrm>
-            <a:prstGeom prst="rect">
-              <a:avLst/>
-            </a:prstGeom>
-            <a:noFill/>
-            <a:ln w="28575" cap="flat" cmpd="sng" algn="ctr">
-              <a:solidFill>
-                <a:srgbClr val="FF0000"/>
-              </a:solidFill>
-              <a:prstDash val="solid"/>
-              <a:round/>
-              <a:headEnd type="none" w="med" len="med"/>
-              <a:tailEnd type="none" w="med" len="med"/>
-            </a:ln>
-            <a:effectLst/>
-            <a:extLst>
-              <a:ext uri="{909E8E84-426E-40DD-AFC4-6F175D3DCCD1}">
-                <a14:hiddenFill xmlns:a14="http://schemas.microsoft.com/office/drawing/2010/main">
-                  <a:solidFill>
-                    <a:schemeClr val="accent1"/>
-                  </a:solidFill>
-                </a14:hiddenFill>
-              </a:ext>
-              <a:ext uri="{AF507438-7753-43E0-B8FC-AC1667EBCBE1}">
-                <a14:hiddenEffects xmlns:a14="http://schemas.microsoft.com/office/drawing/2010/main">
-                  <a:effectLst>
-                    <a:outerShdw blurRad="63500" dist="38099" dir="2700000" algn="ctr" rotWithShape="0">
-                      <a:schemeClr val="bg2">
-                        <a:alpha val="74998"/>
-                      </a:schemeClr>
-                    </a:outerShdw>
-                  </a:effectLst>
-                </a14:hiddenEffects>
-              </a:ext>
-            </a:extLst>
-          </p:spPr>
-          <p:txBody>
-            <a:bodyPr vert="horz" wrap="square" lIns="91440" tIns="45720" rIns="91440" bIns="45720" numCol="1" rtlCol="0" anchor="t" anchorCtr="0" compatLnSpc="1">
-              <a:prstTxWarp prst="textNoShape">
-                <a:avLst/>
-              </a:prstTxWarp>
-              <a:spAutoFit/>
-            </a:bodyPr>
-            <a:lstStyle/>
-            <a:p>
-              <a:endParaRPr lang="da-DK" sz="2400">
-                <a:solidFill>
-                  <a:srgbClr val="000000"/>
-                </a:solidFill>
-                <a:ea typeface="ＭＳ Ｐゴシック" charset="0"/>
-              </a:endParaRPr>
-            </a:p>
-          </p:txBody>
-        </p:sp>
-        <p:sp>
-          <p:nvSpPr>
-            <p:cNvPr id="22" name="Rectangle 21"/>
-            <p:cNvSpPr/>
-            <p:nvPr/>
-          </p:nvSpPr>
-          <p:spPr bwMode="auto">
-            <a:xfrm>
-              <a:off x="3190340" y="3635824"/>
-              <a:ext cx="2772798" cy="3090572"/>
-            </a:xfrm>
-            <a:prstGeom prst="rect">
-              <a:avLst/>
-            </a:prstGeom>
-            <a:noFill/>
-            <a:ln w="28575" cap="flat" cmpd="sng" algn="ctr">
-              <a:solidFill>
-                <a:srgbClr val="FF0000"/>
-              </a:solidFill>
-              <a:prstDash val="solid"/>
-              <a:round/>
-              <a:headEnd type="none" w="med" len="med"/>
-              <a:tailEnd type="none" w="med" len="med"/>
-            </a:ln>
-            <a:effectLst/>
-            <a:extLst>
-              <a:ext uri="{909E8E84-426E-40DD-AFC4-6F175D3DCCD1}">
-                <a14:hiddenFill xmlns:a14="http://schemas.microsoft.com/office/drawing/2010/main">
-                  <a:solidFill>
-                    <a:schemeClr val="accent1"/>
-                  </a:solidFill>
-                </a14:hiddenFill>
-              </a:ext>
-              <a:ext uri="{AF507438-7753-43E0-B8FC-AC1667EBCBE1}">
-                <a14:hiddenEffects xmlns:a14="http://schemas.microsoft.com/office/drawing/2010/main">
-                  <a:effectLst>
-                    <a:outerShdw blurRad="63500" dist="38099" dir="2700000" algn="ctr" rotWithShape="0">
-                      <a:schemeClr val="bg2">
-                        <a:alpha val="74998"/>
-                      </a:schemeClr>
-                    </a:outerShdw>
-                  </a:effectLst>
-                </a14:hiddenEffects>
-              </a:ext>
-            </a:extLst>
-          </p:spPr>
-          <p:txBody>
-            <a:bodyPr vert="horz" wrap="square" lIns="91440" tIns="45720" rIns="91440" bIns="45720" numCol="1" rtlCol="0" anchor="t" anchorCtr="0" compatLnSpc="1">
-              <a:prstTxWarp prst="textNoShape">
-                <a:avLst/>
-              </a:prstTxWarp>
-              <a:spAutoFit/>
-            </a:bodyPr>
-            <a:lstStyle/>
-            <a:p>
-              <a:endParaRPr lang="da-DK" sz="2400">
-                <a:solidFill>
-                  <a:srgbClr val="000000"/>
-                </a:solidFill>
-                <a:ea typeface="ＭＳ Ｐゴシック" charset="0"/>
-              </a:endParaRPr>
-            </a:p>
-          </p:txBody>
-        </p:sp>
         <p:pic>
           <p:nvPicPr>
-            <p:cNvPr id="5" name="Picture 4"/>
+            <p:cNvPr id="9" name="Picture 8"/>
             <p:cNvPicPr>
               <a:picLocks noChangeAspect="1"/>
             </p:cNvPicPr>
@@ -21272,8 +21086,8 @@
           </p:blipFill>
           <p:spPr>
             <a:xfrm>
-              <a:off x="108914" y="2055446"/>
-              <a:ext cx="8926171" cy="4757930"/>
+              <a:off x="55659" y="2075290"/>
+              <a:ext cx="9032682" cy="4605467"/>
             </a:xfrm>
             <a:prstGeom prst="rect">
               <a:avLst/>
@@ -21288,7 +21102,7 @@
           </p:nvSpPr>
           <p:spPr bwMode="auto">
             <a:xfrm>
-              <a:off x="6156176" y="5301208"/>
+              <a:off x="6249189" y="5227393"/>
               <a:ext cx="2878909" cy="1512168"/>
             </a:xfrm>
             <a:prstGeom prst="rect">
@@ -21353,161 +21167,161 @@
             </a:p>
           </p:txBody>
         </p:sp>
-        <p:sp>
-          <p:nvSpPr>
-            <p:cNvPr id="12" name="Rectangle 11"/>
-            <p:cNvSpPr/>
-            <p:nvPr/>
-          </p:nvSpPr>
-          <p:spPr bwMode="auto">
-            <a:xfrm>
-              <a:off x="95416" y="3594035"/>
-              <a:ext cx="5899867" cy="3204329"/>
-            </a:xfrm>
-            <a:prstGeom prst="rect">
+      </p:grpSp>
+      <p:sp>
+        <p:nvSpPr>
+          <p:cNvPr id="12" name="Rectangle 11"/>
+          <p:cNvSpPr/>
+          <p:nvPr/>
+        </p:nvSpPr>
+        <p:spPr bwMode="auto">
+          <a:xfrm>
+            <a:off x="39757" y="3562185"/>
+            <a:ext cx="5971429" cy="3132814"/>
+          </a:xfrm>
+          <a:prstGeom prst="rect">
+            <a:avLst/>
+          </a:prstGeom>
+          <a:noFill/>
+          <a:ln>
+            <a:solidFill>
+              <a:srgbClr val="FF0000"/>
+            </a:solidFill>
+            <a:headEnd type="none" w="med" len="med"/>
+            <a:tailEnd type="none" w="med" len="med"/>
+          </a:ln>
+          <a:extLst/>
+        </p:spPr>
+        <p:style>
+          <a:lnRef idx="2">
+            <a:schemeClr val="accent6"/>
+          </a:lnRef>
+          <a:fillRef idx="1">
+            <a:schemeClr val="lt1"/>
+          </a:fillRef>
+          <a:effectRef idx="0">
+            <a:schemeClr val="accent6"/>
+          </a:effectRef>
+          <a:fontRef idx="minor">
+            <a:schemeClr val="dk1"/>
+          </a:fontRef>
+        </p:style>
+        <p:txBody>
+          <a:bodyPr vert="horz" wrap="square" lIns="91440" tIns="45720" rIns="91440" bIns="45720" numCol="1" rtlCol="0" anchor="t" anchorCtr="0" compatLnSpc="1">
+            <a:prstTxWarp prst="textNoShape">
               <a:avLst/>
-            </a:prstGeom>
-            <a:noFill/>
-            <a:ln>
+            </a:prstTxWarp>
+            <a:spAutoFit/>
+          </a:bodyPr>
+          <a:lstStyle/>
+          <a:p>
+            <a:pPr marL="0" marR="0" indent="0" algn="l" defTabSz="914400" rtl="0" eaLnBrk="1" fontAlgn="base" latinLnBrk="0" hangingPunct="1">
+              <a:lnSpc>
+                <a:spcPct val="100000"/>
+              </a:lnSpc>
+              <a:spcBef>
+                <a:spcPct val="0"/>
+              </a:spcBef>
+              <a:spcAft>
+                <a:spcPct val="0"/>
+              </a:spcAft>
+              <a:buClrTx/>
+              <a:buSzTx/>
+              <a:buFontTx/>
+              <a:buNone/>
+              <a:tabLst/>
+            </a:pPr>
+            <a:endParaRPr kumimoji="0" lang="da-DK" sz="2400" b="0" i="0" u="none" strike="noStrike" cap="none" normalizeH="0" baseline="0">
+              <a:ln>
+                <a:noFill/>
+              </a:ln>
               <a:solidFill>
-                <a:srgbClr val="FF0000"/>
+                <a:srgbClr val="000000"/>
               </a:solidFill>
-              <a:headEnd type="none" w="med" len="med"/>
-              <a:tailEnd type="none" w="med" len="med"/>
-            </a:ln>
-            <a:extLst/>
-          </p:spPr>
-          <p:style>
-            <a:lnRef idx="2">
-              <a:schemeClr val="accent6"/>
-            </a:lnRef>
-            <a:fillRef idx="1">
-              <a:schemeClr val="lt1"/>
-            </a:fillRef>
-            <a:effectRef idx="0">
-              <a:schemeClr val="accent6"/>
-            </a:effectRef>
-            <a:fontRef idx="minor">
-              <a:schemeClr val="dk1"/>
-            </a:fontRef>
-          </p:style>
-          <p:txBody>
-            <a:bodyPr vert="horz" wrap="square" lIns="91440" tIns="45720" rIns="91440" bIns="45720" numCol="1" rtlCol="0" anchor="t" anchorCtr="0" compatLnSpc="1">
-              <a:prstTxWarp prst="textNoShape">
-                <a:avLst/>
-              </a:prstTxWarp>
-              <a:spAutoFit/>
-            </a:bodyPr>
-            <a:lstStyle/>
-            <a:p>
-              <a:pPr marL="0" marR="0" indent="0" algn="l" defTabSz="914400" rtl="0" eaLnBrk="1" fontAlgn="base" latinLnBrk="0" hangingPunct="1">
-                <a:lnSpc>
-                  <a:spcPct val="100000"/>
-                </a:lnSpc>
-                <a:spcBef>
-                  <a:spcPct val="0"/>
-                </a:spcBef>
-                <a:spcAft>
-                  <a:spcPct val="0"/>
-                </a:spcAft>
-                <a:buClrTx/>
-                <a:buSzTx/>
-                <a:buFontTx/>
-                <a:buNone/>
-                <a:tabLst/>
-              </a:pPr>
-              <a:endParaRPr kumimoji="0" lang="da-DK" sz="2400" b="0" i="0" u="none" strike="noStrike" cap="none" normalizeH="0" baseline="0">
-                <a:ln>
-                  <a:noFill/>
-                </a:ln>
-                <a:solidFill>
-                  <a:srgbClr val="000000"/>
-                </a:solidFill>
-                <a:effectLst/>
-                <a:latin typeface="Arial" charset="0"/>
-                <a:ea typeface="ＭＳ Ｐゴシック" charset="0"/>
-              </a:endParaRPr>
-            </a:p>
-          </p:txBody>
-        </p:sp>
-        <p:sp>
-          <p:nvSpPr>
-            <p:cNvPr id="13" name="Rectangle 12"/>
-            <p:cNvSpPr/>
-            <p:nvPr/>
-          </p:nvSpPr>
-          <p:spPr bwMode="auto">
-            <a:xfrm>
-              <a:off x="6173254" y="2075290"/>
-              <a:ext cx="2859428" cy="2679590"/>
-            </a:xfrm>
-            <a:prstGeom prst="rect">
+              <a:effectLst/>
+              <a:latin typeface="Arial" charset="0"/>
+              <a:ea typeface="ＭＳ Ｐゴシック" charset="0"/>
+            </a:endParaRPr>
+          </a:p>
+        </p:txBody>
+      </p:sp>
+      <p:sp>
+        <p:nvSpPr>
+          <p:cNvPr id="13" name="Rectangle 12"/>
+          <p:cNvSpPr/>
+          <p:nvPr/>
+        </p:nvSpPr>
+        <p:spPr bwMode="auto">
+          <a:xfrm>
+            <a:off x="6226479" y="2047494"/>
+            <a:ext cx="2853911" cy="2930023"/>
+          </a:xfrm>
+          <a:prstGeom prst="rect">
+            <a:avLst/>
+          </a:prstGeom>
+          <a:noFill/>
+          <a:ln>
+            <a:solidFill>
+              <a:srgbClr val="FF0000"/>
+            </a:solidFill>
+            <a:headEnd type="none" w="med" len="med"/>
+            <a:tailEnd type="none" w="med" len="med"/>
+          </a:ln>
+          <a:extLst/>
+        </p:spPr>
+        <p:style>
+          <a:lnRef idx="2">
+            <a:schemeClr val="accent6"/>
+          </a:lnRef>
+          <a:fillRef idx="1">
+            <a:schemeClr val="lt1"/>
+          </a:fillRef>
+          <a:effectRef idx="0">
+            <a:schemeClr val="accent6"/>
+          </a:effectRef>
+          <a:fontRef idx="minor">
+            <a:schemeClr val="dk1"/>
+          </a:fontRef>
+        </p:style>
+        <p:txBody>
+          <a:bodyPr vert="horz" wrap="square" lIns="91440" tIns="45720" rIns="91440" bIns="45720" numCol="1" rtlCol="0" anchor="t" anchorCtr="0" compatLnSpc="1">
+            <a:prstTxWarp prst="textNoShape">
               <a:avLst/>
-            </a:prstGeom>
-            <a:noFill/>
-            <a:ln>
+            </a:prstTxWarp>
+            <a:spAutoFit/>
+          </a:bodyPr>
+          <a:lstStyle/>
+          <a:p>
+            <a:pPr marL="0" marR="0" indent="0" algn="l" defTabSz="914400" rtl="0" eaLnBrk="1" fontAlgn="base" latinLnBrk="0" hangingPunct="1">
+              <a:lnSpc>
+                <a:spcPct val="100000"/>
+              </a:lnSpc>
+              <a:spcBef>
+                <a:spcPct val="0"/>
+              </a:spcBef>
+              <a:spcAft>
+                <a:spcPct val="0"/>
+              </a:spcAft>
+              <a:buClrTx/>
+              <a:buSzTx/>
+              <a:buFontTx/>
+              <a:buNone/>
+              <a:tabLst/>
+            </a:pPr>
+            <a:endParaRPr kumimoji="0" lang="da-DK" sz="2400" b="0" i="0" u="none" strike="noStrike" cap="none" normalizeH="0" baseline="0">
+              <a:ln>
+                <a:noFill/>
+              </a:ln>
               <a:solidFill>
-                <a:srgbClr val="FF0000"/>
+                <a:srgbClr val="000000"/>
               </a:solidFill>
-              <a:headEnd type="none" w="med" len="med"/>
-              <a:tailEnd type="none" w="med" len="med"/>
-            </a:ln>
-            <a:extLst/>
-          </p:spPr>
-          <p:style>
-            <a:lnRef idx="2">
-              <a:schemeClr val="accent6"/>
-            </a:lnRef>
-            <a:fillRef idx="1">
-              <a:schemeClr val="lt1"/>
-            </a:fillRef>
-            <a:effectRef idx="0">
-              <a:schemeClr val="accent6"/>
-            </a:effectRef>
-            <a:fontRef idx="minor">
-              <a:schemeClr val="dk1"/>
-            </a:fontRef>
-          </p:style>
-          <p:txBody>
-            <a:bodyPr vert="horz" wrap="square" lIns="91440" tIns="45720" rIns="91440" bIns="45720" numCol="1" rtlCol="0" anchor="t" anchorCtr="0" compatLnSpc="1">
-              <a:prstTxWarp prst="textNoShape">
-                <a:avLst/>
-              </a:prstTxWarp>
-              <a:spAutoFit/>
-            </a:bodyPr>
-            <a:lstStyle/>
-            <a:p>
-              <a:pPr marL="0" marR="0" indent="0" algn="l" defTabSz="914400" rtl="0" eaLnBrk="1" fontAlgn="base" latinLnBrk="0" hangingPunct="1">
-                <a:lnSpc>
-                  <a:spcPct val="100000"/>
-                </a:lnSpc>
-                <a:spcBef>
-                  <a:spcPct val="0"/>
-                </a:spcBef>
-                <a:spcAft>
-                  <a:spcPct val="0"/>
-                </a:spcAft>
-                <a:buClrTx/>
-                <a:buSzTx/>
-                <a:buFontTx/>
-                <a:buNone/>
-                <a:tabLst/>
-              </a:pPr>
-              <a:endParaRPr kumimoji="0" lang="da-DK" sz="2400" b="0" i="0" u="none" strike="noStrike" cap="none" normalizeH="0" baseline="0">
-                <a:ln>
-                  <a:noFill/>
-                </a:ln>
-                <a:solidFill>
-                  <a:srgbClr val="000000"/>
-                </a:solidFill>
-                <a:effectLst/>
-                <a:latin typeface="Arial" charset="0"/>
-                <a:ea typeface="ＭＳ Ｐゴシック" charset="0"/>
-              </a:endParaRPr>
-            </a:p>
-          </p:txBody>
-        </p:sp>
-      </p:grpSp>
+              <a:effectLst/>
+              <a:latin typeface="Arial" charset="0"/>
+              <a:ea typeface="ＭＳ Ｐゴシック" charset="0"/>
+            </a:endParaRPr>
+          </a:p>
+        </p:txBody>
+      </p:sp>
       <p:sp>
         <p:nvSpPr>
           <p:cNvPr id="2" name="Title 1"/>
@@ -21627,7 +21441,12 @@
             <p:ph type="sldNum" sz="quarter" idx="12"/>
           </p:nvPr>
         </p:nvSpPr>
-        <p:spPr/>
+        <p:spPr>
+          <a:xfrm>
+            <a:off x="8452888" y="6400800"/>
+            <a:ext cx="683568" cy="457200"/>
+          </a:xfrm>
+        </p:spPr>
         <p:txBody>
           <a:bodyPr/>
           <a:lstStyle/>
@@ -21656,7 +21475,7 @@
         </p:nvSpPr>
         <p:spPr bwMode="auto">
           <a:xfrm>
-            <a:off x="6306472" y="5055295"/>
+            <a:off x="6472801" y="5196199"/>
             <a:ext cx="2369216" cy="1117447"/>
           </a:xfrm>
           <a:prstGeom prst="rect">
